--- a/presentation.pptx
+++ b/presentation.pptx
@@ -6210,7 +6210,12 @@
             <p:ph idx="1"/>
           </p:nvPr>
         </p:nvSpPr>
-        <p:spPr/>
+        <p:spPr>
+          <a:xfrm>
+            <a:off x="677334" y="1780675"/>
+            <a:ext cx="8596668" cy="4260688"/>
+          </a:xfrm>
+        </p:spPr>
         <p:txBody>
           <a:bodyPr/>
           <a:lstStyle/>
@@ -6218,6 +6223,9 @@
             <a:endParaRPr lang="en-US" dirty="0" smtClean="0"/>
           </a:p>
           <a:p>
+            <a:pPr marL="0" indent="0">
+              <a:buNone/>
+            </a:pPr>
             <a:endParaRPr lang="en-US" dirty="0"/>
           </a:p>
           <a:p>
